--- a/SW-Coding & MIL-Test.pptx
+++ b/SW-Coding & MIL-Test.pptx
@@ -218,7 +218,7 @@
           <a:p>
             <a:fld id="{34C71C3C-6A8B-4932-93AC-4F09D03A26FE}" type="datetimeFigureOut">
               <a:rPr lang="en-US" smtClean="0"/>
-              <a:t>1/19/2017</a:t>
+              <a:t>1/20/2017</a:t>
             </a:fld>
             <a:endParaRPr lang="en-US" dirty="0"/>
           </a:p>
@@ -570,6 +570,90 @@
 </p:notes>
 </file>
 
+<file path=ppt/notesSlides/notesSlide2.xml><?xml version="1.0" encoding="utf-8"?>
+<p:notes xmlns:a="http://schemas.openxmlformats.org/drawingml/2006/main" xmlns:r="http://schemas.openxmlformats.org/officeDocument/2006/relationships" xmlns:p="http://schemas.openxmlformats.org/presentationml/2006/main">
+  <p:cSld>
+    <p:spTree>
+      <p:nvGrpSpPr>
+        <p:cNvPr id="1" name=""/>
+        <p:cNvGrpSpPr/>
+        <p:nvPr/>
+      </p:nvGrpSpPr>
+      <p:grpSpPr>
+        <a:xfrm>
+          <a:off x="0" y="0"/>
+          <a:ext cx="0" cy="0"/>
+          <a:chOff x="0" y="0"/>
+          <a:chExt cx="0" cy="0"/>
+        </a:xfrm>
+      </p:grpSpPr>
+      <p:sp>
+        <p:nvSpPr>
+          <p:cNvPr id="2" name="Slide Image Placeholder 1"/>
+          <p:cNvSpPr>
+            <a:spLocks noGrp="1" noRot="1" noChangeAspect="1"/>
+          </p:cNvSpPr>
+          <p:nvPr>
+            <p:ph type="sldImg"/>
+          </p:nvPr>
+        </p:nvSpPr>
+        <p:spPr/>
+      </p:sp>
+      <p:sp>
+        <p:nvSpPr>
+          <p:cNvPr id="3" name="Notes Placeholder 2"/>
+          <p:cNvSpPr>
+            <a:spLocks noGrp="1"/>
+          </p:cNvSpPr>
+          <p:nvPr>
+            <p:ph type="body" idx="1"/>
+          </p:nvPr>
+        </p:nvSpPr>
+        <p:spPr/>
+        <p:txBody>
+          <a:bodyPr/>
+          <a:lstStyle/>
+          <a:p>
+            <a:endParaRPr lang="en-US" dirty="0"/>
+          </a:p>
+        </p:txBody>
+      </p:sp>
+      <p:sp>
+        <p:nvSpPr>
+          <p:cNvPr id="4" name="Slide Number Placeholder 3"/>
+          <p:cNvSpPr>
+            <a:spLocks noGrp="1"/>
+          </p:cNvSpPr>
+          <p:nvPr>
+            <p:ph type="sldNum" sz="quarter" idx="10"/>
+          </p:nvPr>
+        </p:nvSpPr>
+        <p:spPr/>
+        <p:txBody>
+          <a:bodyPr/>
+          <a:lstStyle/>
+          <a:p>
+            <a:fld id="{08360AC1-2B9F-4661-A454-D5F77C4165C3}" type="slidenum">
+              <a:rPr lang="en-US" smtClean="0"/>
+              <a:t>2</a:t>
+            </a:fld>
+            <a:endParaRPr lang="en-US" dirty="0"/>
+          </a:p>
+        </p:txBody>
+      </p:sp>
+    </p:spTree>
+    <p:extLst>
+      <p:ext uri="{BB962C8B-B14F-4D97-AF65-F5344CB8AC3E}">
+        <p14:creationId xmlns:p14="http://schemas.microsoft.com/office/powerpoint/2010/main" val="406534742"/>
+      </p:ext>
+    </p:extLst>
+  </p:cSld>
+  <p:clrMapOvr>
+    <a:masterClrMapping/>
+  </p:clrMapOvr>
+</p:notes>
+</file>
+
 <file path=ppt/slideLayouts/slideLayout1.xml><?xml version="1.0" encoding="utf-8"?>
 <p:sldLayout xmlns:a="http://schemas.openxmlformats.org/drawingml/2006/main" xmlns:r="http://schemas.openxmlformats.org/officeDocument/2006/relationships" xmlns:p="http://schemas.openxmlformats.org/presentationml/2006/main" showMasterSp="0" preserve="1">
   <p:cSld name="Titelfolie">
@@ -1058,7 +1142,7 @@
           <a:p>
             <a:fld id="{02B664C4-6B61-4EA4-B269-1E5EA0E0526A}" type="datetime1">
               <a:rPr lang="en-US" smtClean="0"/>
-              <a:t>1/19/2017</a:t>
+              <a:t>1/20/2017</a:t>
             </a:fld>
             <a:endParaRPr lang="en-US" dirty="0"/>
           </a:p>
@@ -1438,7 +1522,7 @@
           <a:p>
             <a:fld id="{802462FF-AA75-4A14-B796-F09F645BE7EE}" type="datetime1">
               <a:rPr lang="en-US" smtClean="0"/>
-              <a:t>1/19/2017</a:t>
+              <a:t>1/20/2017</a:t>
             </a:fld>
             <a:endParaRPr lang="en-US" dirty="0"/>
           </a:p>
@@ -1784,7 +1868,7 @@
           <a:p>
             <a:fld id="{A4B91BAA-52E4-49AE-83F7-FA6BF5A27E9C}" type="datetime1">
               <a:rPr lang="en-US" smtClean="0"/>
-              <a:t>1/19/2017</a:t>
+              <a:t>1/20/2017</a:t>
             </a:fld>
             <a:endParaRPr lang="en-US" dirty="0"/>
           </a:p>
@@ -2164,7 +2248,7 @@
           <a:p>
             <a:fld id="{0A8E600B-7CE7-44AB-B9D6-6528F4FE0F44}" type="datetime1">
               <a:rPr lang="en-US" smtClean="0"/>
-              <a:t>1/19/2017</a:t>
+              <a:t>1/20/2017</a:t>
             </a:fld>
             <a:endParaRPr lang="en-US" dirty="0"/>
           </a:p>
@@ -2347,7 +2431,7 @@
           <a:p>
             <a:fld id="{53C377D1-56D5-4260-8E09-6F6E38CBF102}" type="datetime1">
               <a:rPr lang="en-US" smtClean="0"/>
-              <a:t>1/19/2017</a:t>
+              <a:t>1/20/2017</a:t>
             </a:fld>
             <a:endParaRPr lang="en-US" dirty="0"/>
           </a:p>
@@ -2496,7 +2580,7 @@
           <a:p>
             <a:fld id="{EB92907A-FF04-4DCE-8302-652F0A55B087}" type="datetime1">
               <a:rPr lang="en-US" smtClean="0"/>
-              <a:t>1/19/2017</a:t>
+              <a:t>1/20/2017</a:t>
             </a:fld>
             <a:endParaRPr lang="en-US" dirty="0"/>
           </a:p>
@@ -2821,7 +2905,7 @@
           <a:p>
             <a:fld id="{6EFE398E-FF71-4205-8661-61950CE067E5}" type="datetime1">
               <a:rPr lang="en-US" smtClean="0"/>
-              <a:t>1/19/2017</a:t>
+              <a:t>1/20/2017</a:t>
             </a:fld>
             <a:endParaRPr lang="en-US" dirty="0"/>
           </a:p>
@@ -3080,7 +3164,7 @@
           <a:p>
             <a:fld id="{B7DDDBD8-2B43-4171-B25B-4C83C092A85E}" type="datetime1">
               <a:rPr lang="en-US" smtClean="0"/>
-              <a:t>1/19/2017</a:t>
+              <a:t>1/20/2017</a:t>
             </a:fld>
             <a:endParaRPr lang="en-US" dirty="0"/>
           </a:p>
@@ -3453,7 +3537,7 @@
           <a:p>
             <a:fld id="{BADAD57B-07D6-443E-B507-4CC77443CB67}" type="datetime1">
               <a:rPr lang="en-US" smtClean="0"/>
-              <a:t>1/19/2017</a:t>
+              <a:t>1/20/2017</a:t>
             </a:fld>
             <a:endParaRPr lang="en-US" dirty="0"/>
           </a:p>
@@ -4002,7 +4086,7 @@
           <a:p>
             <a:fld id="{10797E18-282A-44FD-9301-012351DBCEA8}" type="datetime1">
               <a:rPr lang="en-US" smtClean="0"/>
-              <a:t>1/19/2017</a:t>
+              <a:t>1/20/2017</a:t>
             </a:fld>
             <a:endParaRPr lang="en-US" dirty="0"/>
           </a:p>
@@ -4366,7 +4450,7 @@
           <a:p>
             <a:fld id="{6AC6BF7F-12B2-46CE-9F37-8185537B5881}" type="datetime1">
               <a:rPr lang="en-US" smtClean="0"/>
-              <a:t>1/19/2017</a:t>
+              <a:t>1/20/2017</a:t>
             </a:fld>
             <a:endParaRPr lang="en-US" dirty="0"/>
           </a:p>
@@ -4554,7 +4638,7 @@
           <a:p>
             <a:fld id="{4D5F47AD-0F61-4703-AE47-C9311F51BB05}" type="datetime1">
               <a:rPr lang="en-US" smtClean="0"/>
-              <a:t>1/19/2017</a:t>
+              <a:t>1/20/2017</a:t>
             </a:fld>
             <a:endParaRPr lang="en-US" dirty="0"/>
           </a:p>
@@ -4950,7 +5034,7 @@
           <a:p>
             <a:fld id="{08995EAE-058A-4201-B25C-9337BEB62963}" type="datetime1">
               <a:rPr lang="en-US" smtClean="0"/>
-              <a:t>1/19/2017</a:t>
+              <a:t>1/20/2017</a:t>
             </a:fld>
             <a:endParaRPr lang="en-US" dirty="0"/>
           </a:p>
@@ -5381,7 +5465,7 @@
           <a:p>
             <a:fld id="{CAC84A68-DBF6-490B-AD16-C3C199436A96}" type="datetime1">
               <a:rPr lang="en-US" smtClean="0"/>
-              <a:t>1/19/2017</a:t>
+              <a:t>1/20/2017</a:t>
             </a:fld>
             <a:endParaRPr lang="en-US" dirty="0"/>
           </a:p>
@@ -5893,7 +5977,7 @@
           <a:p>
             <a:fld id="{0F563018-2BAF-40CE-969B-6FBB63D618A0}" type="datetime1">
               <a:rPr lang="en-US" smtClean="0"/>
-              <a:t>1/19/2017</a:t>
+              <a:t>1/20/2017</a:t>
             </a:fld>
             <a:endParaRPr lang="en-US" dirty="0"/>
           </a:p>
@@ -6340,7 +6424,7 @@
           <a:p>
             <a:fld id="{C764DE64-2924-42FA-9E6E-35541B9E8748}" type="datetime1">
               <a:rPr lang="en-US" smtClean="0"/>
-              <a:t>1/19/2017</a:t>
+              <a:t>1/20/2017</a:t>
             </a:fld>
             <a:endParaRPr lang="en-US" dirty="0"/>
           </a:p>
@@ -6802,7 +6886,7 @@
           <a:p>
             <a:fld id="{76E55FD3-035F-4060-A79C-4EA9879DF929}" type="datetime1">
               <a:rPr lang="en-US" smtClean="0"/>
-              <a:t>1/19/2017</a:t>
+              <a:t>1/20/2017</a:t>
             </a:fld>
             <a:endParaRPr lang="en-US" dirty="0"/>
           </a:p>
@@ -7328,7 +7412,7 @@
           <a:p>
             <a:fld id="{D2BC077A-B3BB-4E2E-B337-E13DD4B8FE05}" type="datetime1">
               <a:rPr lang="en-US" smtClean="0"/>
-              <a:t>1/19/2017</a:t>
+              <a:t>1/20/2017</a:t>
             </a:fld>
             <a:endParaRPr lang="en-US" dirty="0"/>
           </a:p>
@@ -7872,7 +7956,7 @@
           <a:p>
             <a:fld id="{F994CB9C-42E0-4EBB-BBB7-4C0DB63E4595}" type="datetime1">
               <a:rPr lang="en-US" smtClean="0"/>
-              <a:t>1/19/2017</a:t>
+              <a:t>1/20/2017</a:t>
             </a:fld>
             <a:endParaRPr lang="en-US" dirty="0"/>
           </a:p>
@@ -8483,7 +8567,7 @@
           <a:p>
             <a:fld id="{946F1E62-26D3-433E-81FA-DD66862DDB00}" type="datetime1">
               <a:rPr lang="en-US" smtClean="0"/>
-              <a:t>1/19/2017</a:t>
+              <a:t>1/20/2017</a:t>
             </a:fld>
             <a:endParaRPr lang="en-US" dirty="0"/>
           </a:p>
@@ -9141,7 +9225,7 @@
           <a:p>
             <a:fld id="{5E190A9F-0CBD-4B0F-9895-2C34E82D9F87}" type="datetime1">
               <a:rPr lang="en-US" smtClean="0"/>
-              <a:t>1/19/2017</a:t>
+              <a:t>1/20/2017</a:t>
             </a:fld>
             <a:endParaRPr lang="en-US" dirty="0"/>
           </a:p>
@@ -9692,7 +9776,7 @@
           <a:p>
             <a:fld id="{6AA605C3-575A-4F8C-95F0-15C05E6CA2CB}" type="datetime1">
               <a:rPr lang="en-US" smtClean="0"/>
-              <a:t>1/19/2017</a:t>
+              <a:t>1/20/2017</a:t>
             </a:fld>
             <a:endParaRPr lang="en-US" dirty="0"/>
           </a:p>
@@ -9935,7 +10019,7 @@
           <a:p>
             <a:fld id="{D636202E-B567-4B32-914F-6571453D5BF0}" type="datetime1">
               <a:rPr lang="en-US" smtClean="0"/>
-              <a:t>1/19/2017</a:t>
+              <a:t>1/20/2017</a:t>
             </a:fld>
             <a:endParaRPr lang="en-US" dirty="0"/>
           </a:p>
@@ -10213,7 +10297,7 @@
           <a:p>
             <a:fld id="{0EFADC72-31B1-4AE4-ACA4-665686CC546C}" type="datetime1">
               <a:rPr lang="en-US" smtClean="0"/>
-              <a:t>1/19/2017</a:t>
+              <a:t>1/20/2017</a:t>
             </a:fld>
             <a:endParaRPr lang="en-US" dirty="0"/>
           </a:p>
@@ -10363,7 +10447,7 @@
           <a:p>
             <a:fld id="{2E58EA83-D2C2-49E7-9A7E-0707B18F91B9}" type="datetime1">
               <a:rPr lang="en-US" smtClean="0"/>
-              <a:t>1/19/2017</a:t>
+              <a:t>1/20/2017</a:t>
             </a:fld>
             <a:endParaRPr lang="en-US" dirty="0"/>
           </a:p>
@@ -10772,7 +10856,7 @@
           <a:p>
             <a:fld id="{06AF73C5-B9E2-49CC-8639-D29A9530491D}" type="datetime1">
               <a:rPr lang="en-US" smtClean="0"/>
-              <a:t>1/19/2017</a:t>
+              <a:t>1/20/2017</a:t>
             </a:fld>
             <a:endParaRPr lang="en-US" dirty="0"/>
           </a:p>
@@ -10927,7 +11011,7 @@
           <a:p>
             <a:fld id="{80D36ED7-F72D-4C82-9613-9ED0B47C9405}" type="datetime1">
               <a:rPr lang="en-US" smtClean="0"/>
-              <a:t>1/19/2017</a:t>
+              <a:t>1/20/2017</a:t>
             </a:fld>
             <a:endParaRPr lang="en-US" dirty="0"/>
           </a:p>
@@ -11195,7 +11279,7 @@
           <a:p>
             <a:fld id="{582D038F-E90B-46C8-8F66-C09EF9423AB3}" type="datetime1">
               <a:rPr lang="en-US" smtClean="0"/>
-              <a:t>1/19/2017</a:t>
+              <a:t>1/20/2017</a:t>
             </a:fld>
             <a:endParaRPr lang="en-US" dirty="0"/>
           </a:p>
@@ -11516,7 +11600,7 @@
           <a:p>
             <a:fld id="{54056185-F8F3-4EAE-8301-80E271BBE14F}" type="datetime1">
               <a:rPr lang="en-US" smtClean="0"/>
-              <a:t>1/19/2017</a:t>
+              <a:t>1/20/2017</a:t>
             </a:fld>
             <a:endParaRPr lang="en-US" dirty="0"/>
           </a:p>
@@ -11893,7 +11977,7 @@
           <a:p>
             <a:fld id="{4C1D0CCA-D450-4C2B-93D3-EFBEB5AFB066}" type="datetime1">
               <a:rPr lang="en-US" smtClean="0"/>
-              <a:t>1/19/2017</a:t>
+              <a:t>1/20/2017</a:t>
             </a:fld>
             <a:endParaRPr lang="en-US" dirty="0"/>
           </a:p>
@@ -12282,7 +12366,7 @@
           <a:p>
             <a:fld id="{20139938-C127-40D9-A6D9-7BF7F9EC3BA9}" type="datetime1">
               <a:rPr lang="en-US" smtClean="0"/>
-              <a:t>1/19/2017</a:t>
+              <a:t>1/20/2017</a:t>
             </a:fld>
             <a:endParaRPr lang="en-US" dirty="0"/>
           </a:p>
@@ -13092,8 +13176,13 @@
           <a:p>
             <a:r>
               <a:rPr lang="en-US" dirty="0" smtClean="0"/>
-              <a:t>13.10.2016</a:t>
-            </a:r>
+              <a:t>20</a:t>
+            </a:r>
+            <a:r>
+              <a:rPr lang="en-US" dirty="0" smtClean="0"/>
+              <a:t>.1.2017</a:t>
+            </a:r>
+            <a:endParaRPr lang="en-US" dirty="0" smtClean="0"/>
           </a:p>
         </p:txBody>
       </p:sp>
@@ -13124,7 +13213,6 @@
               <a:rPr lang="en-US" dirty="0"/>
               <a:t> </a:t>
             </a:r>
-            <a:endParaRPr lang="en-US" dirty="0"/>
           </a:p>
         </p:txBody>
       </p:sp>
@@ -13231,7 +13319,7 @@
           <a:p>
             <a:fld id="{6AC6BF7F-12B2-46CE-9F37-8185537B5881}" type="datetime1">
               <a:rPr lang="en-US" smtClean="0"/>
-              <a:t>1/19/2017</a:t>
+              <a:t>1/20/2017</a:t>
             </a:fld>
             <a:endParaRPr lang="en-US" dirty="0"/>
           </a:p>
@@ -13325,13 +13413,6 @@
               </a:rPr>
               <a:t>Figure 3: Active Star Topology</a:t>
             </a:r>
-            <a:endParaRPr lang="en-US" sz="2000" dirty="0">
-              <a:solidFill>
-                <a:schemeClr val="accent5"/>
-              </a:solidFill>
-              <a:latin typeface="Times New Roman" panose="02020603050405020304" pitchFamily="18" charset="0"/>
-              <a:cs typeface="Times New Roman" panose="02020603050405020304" pitchFamily="18" charset="0"/>
-            </a:endParaRPr>
           </a:p>
         </p:txBody>
       </p:sp>
@@ -13489,7 +13570,7 @@
           <a:p>
             <a:fld id="{6AC6BF7F-12B2-46CE-9F37-8185537B5881}" type="datetime1">
               <a:rPr lang="en-US" smtClean="0"/>
-              <a:t>1/19/2017</a:t>
+              <a:t>1/20/2017</a:t>
             </a:fld>
             <a:endParaRPr lang="en-US" dirty="0"/>
           </a:p>
@@ -13702,7 +13783,7 @@
           <a:p>
             <a:fld id="{6AC6BF7F-12B2-46CE-9F37-8185537B5881}" type="datetime1">
               <a:rPr lang="en-US" smtClean="0"/>
-              <a:t>1/19/2017</a:t>
+              <a:t>1/20/2017</a:t>
             </a:fld>
             <a:endParaRPr lang="en-US" dirty="0"/>
           </a:p>
@@ -13920,7 +14001,7 @@
           <a:p>
             <a:fld id="{6AC6BF7F-12B2-46CE-9F37-8185537B5881}" type="datetime1">
               <a:rPr lang="en-US" smtClean="0"/>
-              <a:t>1/19/2017</a:t>
+              <a:t>1/20/2017</a:t>
             </a:fld>
             <a:endParaRPr lang="en-US" dirty="0"/>
           </a:p>
@@ -13939,7 +14020,7 @@
         <p:spPr/>
         <p:txBody>
           <a:bodyPr>
-            <a:normAutofit fontScale="77500" lnSpcReduction="20000"/>
+            <a:normAutofit fontScale="85000" lnSpcReduction="10000"/>
           </a:bodyPr>
           <a:lstStyle/>
           <a:p>
@@ -14033,75 +14114,36 @@
           <a:p>
             <a:pPr lvl="0"/>
             <a:r>
-              <a:rPr lang="en-US" altLang="de-DE" sz="3500" dirty="0" err="1">
+              <a:rPr lang="en-US" altLang="de-DE" sz="3200" dirty="0">
                 <a:latin typeface="Times New Roman" panose="02020603050405020304" pitchFamily="18" charset="0"/>
                 <a:cs typeface="Times New Roman" panose="02020603050405020304" pitchFamily="18" charset="0"/>
               </a:rPr>
-              <a:t>Ealizes</a:t>
-            </a:r>
-            <a:r>
-              <a:rPr lang="en-US" altLang="de-DE" sz="3500" dirty="0">
+              <a:t>Processor to execute the main application</a:t>
+            </a:r>
+          </a:p>
+          <a:p>
+            <a:pPr lvl="0"/>
+            <a:r>
+              <a:rPr lang="en-US" altLang="de-DE" sz="3200" dirty="0">
                 <a:latin typeface="Times New Roman" panose="02020603050405020304" pitchFamily="18" charset="0"/>
                 <a:cs typeface="Times New Roman" panose="02020603050405020304" pitchFamily="18" charset="0"/>
               </a:rPr>
-              <a:t> all functions of the </a:t>
-            </a:r>
-            <a:r>
-              <a:rPr lang="en-US" altLang="de-DE" sz="3500" dirty="0" err="1">
+              <a:t>It processes the received data</a:t>
+            </a:r>
+          </a:p>
+          <a:p>
+            <a:pPr lvl="0"/>
+            <a:r>
+              <a:rPr lang="en-US" altLang="de-DE" sz="3200" dirty="0">
                 <a:latin typeface="Times New Roman" panose="02020603050405020304" pitchFamily="18" charset="0"/>
                 <a:cs typeface="Times New Roman" panose="02020603050405020304" pitchFamily="18" charset="0"/>
               </a:rPr>
-              <a:t>FlexRay</a:t>
-            </a:r>
-            <a:r>
-              <a:rPr lang="en-US" altLang="de-DE" sz="3500" dirty="0">
-                <a:latin typeface="Times New Roman" panose="02020603050405020304" pitchFamily="18" charset="0"/>
-                <a:cs typeface="Times New Roman" panose="02020603050405020304" pitchFamily="18" charset="0"/>
-              </a:rPr>
-              <a:t> protocol.</a:t>
-            </a:r>
-          </a:p>
-          <a:p>
-            <a:r>
-              <a:rPr lang="en-US" altLang="de-DE" sz="3500" dirty="0">
-                <a:latin typeface="Times New Roman" panose="02020603050405020304" pitchFamily="18" charset="0"/>
-                <a:cs typeface="Times New Roman" panose="02020603050405020304" pitchFamily="18" charset="0"/>
-              </a:rPr>
-              <a:t>Receives data that should be sent from the host controller.</a:t>
-            </a:r>
-          </a:p>
-          <a:p>
-            <a:pPr lvl="0"/>
-            <a:r>
-              <a:rPr lang="en-US" altLang="de-DE" sz="3500" dirty="0">
-                <a:latin typeface="Times New Roman" panose="02020603050405020304" pitchFamily="18" charset="0"/>
-                <a:cs typeface="Times New Roman" panose="02020603050405020304" pitchFamily="18" charset="0"/>
-              </a:rPr>
-              <a:t>Decides what to do, and what to be sent to the communication controller.</a:t>
-            </a:r>
-          </a:p>
-          <a:p>
-            <a:r>
-              <a:rPr lang="en-US" altLang="de-DE" sz="3500" dirty="0">
-                <a:latin typeface="Times New Roman" panose="02020603050405020304" pitchFamily="18" charset="0"/>
-                <a:cs typeface="Times New Roman" panose="02020603050405020304" pitchFamily="18" charset="0"/>
-              </a:rPr>
-              <a:t>Handles the data according to the </a:t>
-            </a:r>
-            <a:r>
-              <a:rPr lang="en-US" altLang="de-DE" sz="3500" dirty="0" err="1">
-                <a:latin typeface="Times New Roman" panose="02020603050405020304" pitchFamily="18" charset="0"/>
-                <a:cs typeface="Times New Roman" panose="02020603050405020304" pitchFamily="18" charset="0"/>
-              </a:rPr>
-              <a:t>FlexRay</a:t>
-            </a:r>
-            <a:r>
-              <a:rPr lang="en-US" altLang="de-DE" sz="3500" dirty="0">
-                <a:latin typeface="Times New Roman" panose="02020603050405020304" pitchFamily="18" charset="0"/>
-                <a:cs typeface="Times New Roman" panose="02020603050405020304" pitchFamily="18" charset="0"/>
-              </a:rPr>
-              <a:t> protocol, and sends them to the bus driver.</a:t>
-            </a:r>
+              <a:t>Decides what to do, and what to be sent to the communication controller</a:t>
+            </a:r>
+            <a:endParaRPr lang="en-US" altLang="de-DE" sz="3200" dirty="0">
+              <a:latin typeface="Times New Roman" panose="02020603050405020304" pitchFamily="18" charset="0"/>
+              <a:cs typeface="Times New Roman" panose="02020603050405020304" pitchFamily="18" charset="0"/>
+            </a:endParaRPr>
           </a:p>
         </p:txBody>
       </p:sp>
@@ -14151,7 +14193,7 @@
         </p:blipFill>
         <p:spPr>
           <a:xfrm>
-            <a:off x="2566100" y="981081"/>
+            <a:off x="2666113" y="1206000"/>
             <a:ext cx="6555675" cy="3300825"/>
           </a:xfrm>
           <a:prstGeom prst="rect">
@@ -14256,7 +14298,7 @@
           <a:p>
             <a:fld id="{6AC6BF7F-12B2-46CE-9F37-8185537B5881}" type="datetime1">
               <a:rPr lang="en-US" smtClean="0"/>
-              <a:t>1/19/2017</a:t>
+              <a:t>1/20/2017</a:t>
             </a:fld>
             <a:endParaRPr lang="en-US" dirty="0"/>
           </a:p>
@@ -14333,70 +14375,93 @@
             <a:endParaRPr lang="en-US" dirty="0" smtClean="0"/>
           </a:p>
           <a:p>
-            <a:pPr lvl="0">
-              <a:buSzPct val="45000"/>
-              <a:buFont typeface="StarSymbol"/>
-              <a:buChar char="●"/>
+            <a:pPr>
+              <a:lnSpc>
+                <a:spcPct val="80000"/>
+              </a:lnSpc>
             </a:pPr>
             <a:r>
-              <a:rPr lang="en-US" dirty="0" err="1" smtClean="0"/>
-              <a:t>Ealizes</a:t>
-            </a:r>
-            <a:r>
-              <a:rPr lang="en-US" dirty="0" smtClean="0"/>
-              <a:t> </a:t>
-            </a:r>
-            <a:r>
-              <a:rPr lang="en-US" dirty="0"/>
+              <a:rPr lang="en-US" altLang="de-DE" sz="2700" dirty="0" smtClean="0">
+                <a:latin typeface="Times New Roman" panose="02020603050405020304" pitchFamily="18" charset="0"/>
+                <a:cs typeface="Times New Roman" panose="02020603050405020304" pitchFamily="18" charset="0"/>
+              </a:rPr>
+              <a:t>Realizes </a:t>
+            </a:r>
+            <a:r>
+              <a:rPr lang="en-US" altLang="de-DE" sz="2700" dirty="0">
+                <a:latin typeface="Times New Roman" panose="02020603050405020304" pitchFamily="18" charset="0"/>
+                <a:cs typeface="Times New Roman" panose="02020603050405020304" pitchFamily="18" charset="0"/>
+              </a:rPr>
               <a:t>all functions of the </a:t>
             </a:r>
             <a:r>
-              <a:rPr lang="en-US" dirty="0" err="1"/>
+              <a:rPr lang="en-US" altLang="de-DE" sz="2700" dirty="0" err="1">
+                <a:latin typeface="Times New Roman" panose="02020603050405020304" pitchFamily="18" charset="0"/>
+                <a:cs typeface="Times New Roman" panose="02020603050405020304" pitchFamily="18" charset="0"/>
+              </a:rPr>
               <a:t>FlexRay</a:t>
             </a:r>
             <a:r>
-              <a:rPr lang="en-US" dirty="0"/>
+              <a:rPr lang="en-US" altLang="de-DE" sz="2700" dirty="0">
+                <a:latin typeface="Times New Roman" panose="02020603050405020304" pitchFamily="18" charset="0"/>
+                <a:cs typeface="Times New Roman" panose="02020603050405020304" pitchFamily="18" charset="0"/>
+              </a:rPr>
               <a:t> protocol.</a:t>
             </a:r>
           </a:p>
           <a:p>
-            <a:pPr lvl="0">
-              <a:buSzPct val="45000"/>
-              <a:buFont typeface="StarSymbol"/>
-              <a:buChar char="●"/>
+            <a:pPr>
+              <a:lnSpc>
+                <a:spcPct val="80000"/>
+              </a:lnSpc>
             </a:pPr>
             <a:r>
-              <a:rPr lang="en-US" dirty="0"/>
+              <a:rPr lang="en-US" altLang="de-DE" sz="2700" dirty="0">
+                <a:latin typeface="Times New Roman" panose="02020603050405020304" pitchFamily="18" charset="0"/>
+                <a:cs typeface="Times New Roman" panose="02020603050405020304" pitchFamily="18" charset="0"/>
+              </a:rPr>
               <a:t>Receives data that should be sent from the host controller.</a:t>
             </a:r>
           </a:p>
           <a:p>
-            <a:pPr lvl="0">
-              <a:buSzPct val="45000"/>
-              <a:buFont typeface="StarSymbol"/>
-              <a:buChar char="●"/>
+            <a:pPr>
+              <a:lnSpc>
+                <a:spcPct val="80000"/>
+              </a:lnSpc>
             </a:pPr>
             <a:r>
-              <a:rPr lang="en-US" dirty="0"/>
+              <a:rPr lang="en-US" altLang="de-DE" sz="2700" dirty="0">
+                <a:latin typeface="Times New Roman" panose="02020603050405020304" pitchFamily="18" charset="0"/>
+                <a:cs typeface="Times New Roman" panose="02020603050405020304" pitchFamily="18" charset="0"/>
+              </a:rPr>
               <a:t>Decides what to do, and what to be sent to the communication controller.</a:t>
             </a:r>
           </a:p>
           <a:p>
-            <a:pPr lvl="0">
-              <a:buSzPct val="45000"/>
-              <a:buFont typeface="StarSymbol"/>
-              <a:buChar char="●"/>
+            <a:pPr>
+              <a:lnSpc>
+                <a:spcPct val="80000"/>
+              </a:lnSpc>
             </a:pPr>
             <a:r>
-              <a:rPr lang="en-US" dirty="0"/>
+              <a:rPr lang="en-US" altLang="de-DE" sz="2700" dirty="0">
+                <a:latin typeface="Times New Roman" panose="02020603050405020304" pitchFamily="18" charset="0"/>
+                <a:cs typeface="Times New Roman" panose="02020603050405020304" pitchFamily="18" charset="0"/>
+              </a:rPr>
               <a:t>Handles the data according to the </a:t>
             </a:r>
             <a:r>
-              <a:rPr lang="en-US" dirty="0" err="1"/>
+              <a:rPr lang="en-US" altLang="de-DE" sz="2700" dirty="0" err="1">
+                <a:latin typeface="Times New Roman" panose="02020603050405020304" pitchFamily="18" charset="0"/>
+                <a:cs typeface="Times New Roman" panose="02020603050405020304" pitchFamily="18" charset="0"/>
+              </a:rPr>
               <a:t>FlexRay</a:t>
             </a:r>
             <a:r>
-              <a:rPr lang="en-US" dirty="0"/>
+              <a:rPr lang="en-US" altLang="de-DE" sz="2700" dirty="0">
+                <a:latin typeface="Times New Roman" panose="02020603050405020304" pitchFamily="18" charset="0"/>
+                <a:cs typeface="Times New Roman" panose="02020603050405020304" pitchFamily="18" charset="0"/>
+              </a:rPr>
               <a:t> protocol, and sends them to the bus driver</a:t>
             </a:r>
           </a:p>
@@ -14553,7 +14618,7 @@
           <a:p>
             <a:fld id="{6AC6BF7F-12B2-46CE-9F37-8185537B5881}" type="datetime1">
               <a:rPr lang="en-US" smtClean="0"/>
-              <a:t>1/19/2017</a:t>
+              <a:t>1/20/2017</a:t>
             </a:fld>
             <a:endParaRPr lang="en-US" dirty="0"/>
           </a:p>
@@ -14658,6 +14723,8 @@
               <a:lnSpc>
                 <a:spcPct val="90000"/>
               </a:lnSpc>
+              <a:buFont typeface="Wingdings" panose="05000000000000000000" pitchFamily="2" charset="2"/>
+              <a:buChar char="Ø"/>
             </a:pPr>
             <a:r>
               <a:rPr lang="en-US" altLang="de-DE" sz="2700" dirty="0">
@@ -14674,26 +14741,30 @@
               </a:lnSpc>
             </a:pPr>
             <a:r>
-              <a:rPr lang="en-US" altLang="de-DE" sz="2700" dirty="0">
+              <a:rPr lang="en-US" altLang="de-DE" sz="2700" dirty="0" smtClean="0">
                 <a:latin typeface="Times New Roman" panose="02020603050405020304" pitchFamily="18" charset="0"/>
                 <a:cs typeface="Times New Roman" panose="02020603050405020304" pitchFamily="18" charset="0"/>
               </a:rPr>
               <a:t>Important for the fault-tolerance of the </a:t>
             </a:r>
             <a:r>
-              <a:rPr lang="en-US" altLang="de-DE" sz="2700" dirty="0" err="1">
+              <a:rPr lang="en-US" altLang="de-DE" sz="2700" dirty="0" err="1" smtClean="0">
                 <a:latin typeface="Times New Roman" panose="02020603050405020304" pitchFamily="18" charset="0"/>
                 <a:cs typeface="Times New Roman" panose="02020603050405020304" pitchFamily="18" charset="0"/>
               </a:rPr>
               <a:t>FlexRay</a:t>
             </a:r>
             <a:r>
-              <a:rPr lang="en-US" altLang="de-DE" sz="2700" dirty="0">
+              <a:rPr lang="en-US" altLang="de-DE" sz="2700" dirty="0" smtClean="0">
                 <a:latin typeface="Times New Roman" panose="02020603050405020304" pitchFamily="18" charset="0"/>
                 <a:cs typeface="Times New Roman" panose="02020603050405020304" pitchFamily="18" charset="0"/>
               </a:rPr>
               <a:t>.</a:t>
             </a:r>
+            <a:endParaRPr lang="en-US" altLang="de-DE" sz="2700" dirty="0">
+              <a:latin typeface="Times New Roman" panose="02020603050405020304" pitchFamily="18" charset="0"/>
+              <a:cs typeface="Times New Roman" panose="02020603050405020304" pitchFamily="18" charset="0"/>
+            </a:endParaRPr>
           </a:p>
           <a:p>
             <a:pPr>
@@ -14706,7 +14777,21 @@
                 <a:latin typeface="Times New Roman" panose="02020603050405020304" pitchFamily="18" charset="0"/>
                 <a:cs typeface="Times New Roman" panose="02020603050405020304" pitchFamily="18" charset="0"/>
               </a:rPr>
-              <a:t>Bus guardian could prevent these defects.</a:t>
+              <a:t>Bus </a:t>
+            </a:r>
+            <a:r>
+              <a:rPr lang="en-US" altLang="de-DE" sz="2700" dirty="0" smtClean="0">
+                <a:latin typeface="Times New Roman" panose="02020603050405020304" pitchFamily="18" charset="0"/>
+                <a:cs typeface="Times New Roman" panose="02020603050405020304" pitchFamily="18" charset="0"/>
+              </a:rPr>
+              <a:t>guardian </a:t>
+            </a:r>
+            <a:r>
+              <a:rPr lang="en-US" altLang="de-DE" sz="2700" dirty="0">
+                <a:latin typeface="Times New Roman" panose="02020603050405020304" pitchFamily="18" charset="0"/>
+                <a:cs typeface="Times New Roman" panose="02020603050405020304" pitchFamily="18" charset="0"/>
+              </a:rPr>
+              <a:t>could prevent these defects.</a:t>
             </a:r>
           </a:p>
           <a:p>
@@ -14932,7 +15017,7 @@
           <a:p>
             <a:fld id="{6AC6BF7F-12B2-46CE-9F37-8185537B5881}" type="datetime1">
               <a:rPr lang="en-US" smtClean="0"/>
-              <a:t>1/19/2017</a:t>
+              <a:t>1/20/2017</a:t>
             </a:fld>
             <a:endParaRPr lang="en-US" dirty="0"/>
           </a:p>
@@ -15228,7 +15313,7 @@
           <a:p>
             <a:fld id="{6AC6BF7F-12B2-46CE-9F37-8185537B5881}" type="datetime1">
               <a:rPr lang="en-US" smtClean="0"/>
-              <a:t>1/19/2017</a:t>
+              <a:t>1/20/2017</a:t>
             </a:fld>
             <a:endParaRPr lang="en-US" dirty="0"/>
           </a:p>
@@ -15424,7 +15509,7 @@
           <a:p>
             <a:fld id="{6AC6BF7F-12B2-46CE-9F37-8185537B5881}" type="datetime1">
               <a:rPr lang="en-US" smtClean="0"/>
-              <a:t>1/19/2017</a:t>
+              <a:t>1/20/2017</a:t>
             </a:fld>
             <a:endParaRPr lang="en-US" dirty="0"/>
           </a:p>
@@ -15445,7 +15530,7 @@
           <a:bodyPr/>
           <a:lstStyle/>
           <a:p>
-            <a:endParaRPr lang="en-US"/>
+            <a:endParaRPr lang="en-US" dirty="0"/>
           </a:p>
         </p:txBody>
       </p:sp>
@@ -15600,7 +15685,7 @@
           <a:p>
             <a:fld id="{6AC6BF7F-12B2-46CE-9F37-8185537B5881}" type="datetime1">
               <a:rPr lang="en-US" smtClean="0"/>
-              <a:t>1/19/2017</a:t>
+              <a:t>1/20/2017</a:t>
             </a:fld>
             <a:endParaRPr lang="en-US" dirty="0"/>
           </a:p>
@@ -15822,7 +15907,7 @@
           <a:p>
             <a:fld id="{6AC6BF7F-12B2-46CE-9F37-8185537B5881}" type="datetime1">
               <a:rPr lang="en-US" smtClean="0"/>
-              <a:t>1/19/2017</a:t>
+              <a:t>1/20/2017</a:t>
             </a:fld>
             <a:endParaRPr lang="en-US" dirty="0"/>
           </a:p>
@@ -16087,7 +16172,7 @@
           <a:p>
             <a:fld id="{6AC6BF7F-12B2-46CE-9F37-8185537B5881}" type="datetime1">
               <a:rPr lang="en-US" smtClean="0"/>
-              <a:t>1/19/2017</a:t>
+              <a:t>1/20/2017</a:t>
             </a:fld>
             <a:endParaRPr lang="en-US" dirty="0"/>
           </a:p>
@@ -16437,7 +16522,7 @@
           <a:p>
             <a:fld id="{6AC6BF7F-12B2-46CE-9F37-8185537B5881}" type="datetime1">
               <a:rPr lang="en-US" smtClean="0"/>
-              <a:t>1/19/2017</a:t>
+              <a:t>1/20/2017</a:t>
             </a:fld>
             <a:endParaRPr lang="en-US" dirty="0"/>
           </a:p>
@@ -16960,7 +17045,7 @@
           <a:p>
             <a:fld id="{6AC6BF7F-12B2-46CE-9F37-8185537B5881}" type="datetime1">
               <a:rPr lang="en-US" smtClean="0"/>
-              <a:t>1/19/2017</a:t>
+              <a:t>1/20/2017</a:t>
             </a:fld>
             <a:endParaRPr lang="en-US" dirty="0"/>
           </a:p>
@@ -17201,7 +17286,7 @@
           <a:p>
             <a:fld id="{6AC6BF7F-12B2-46CE-9F37-8185537B5881}" type="datetime1">
               <a:rPr lang="en-US" smtClean="0"/>
-              <a:t>1/19/2017</a:t>
+              <a:t>1/20/2017</a:t>
             </a:fld>
             <a:endParaRPr lang="en-US" dirty="0"/>
           </a:p>
@@ -17504,7 +17589,7 @@
           <a:p>
             <a:fld id="{6AC6BF7F-12B2-46CE-9F37-8185537B5881}" type="datetime1">
               <a:rPr lang="en-US" smtClean="0"/>
-              <a:t>1/19/2017</a:t>
+              <a:t>1/20/2017</a:t>
             </a:fld>
             <a:endParaRPr lang="en-US" dirty="0"/>
           </a:p>
@@ -17780,7 +17865,7 @@
           <a:p>
             <a:fld id="{6AC6BF7F-12B2-46CE-9F37-8185537B5881}" type="datetime1">
               <a:rPr lang="en-US" smtClean="0"/>
-              <a:t>1/19/2017</a:t>
+              <a:t>1/20/2017</a:t>
             </a:fld>
             <a:endParaRPr lang="en-US" dirty="0"/>
           </a:p>
@@ -18071,7 +18156,7 @@
           <a:p>
             <a:fld id="{6AC6BF7F-12B2-46CE-9F37-8185537B5881}" type="datetime1">
               <a:rPr lang="en-US" smtClean="0"/>
-              <a:t>1/19/2017</a:t>
+              <a:t>1/20/2017</a:t>
             </a:fld>
             <a:endParaRPr lang="en-US" dirty="0"/>
           </a:p>
@@ -18128,14 +18213,14 @@
                 <a:latin typeface="Times New Roman" panose="02020603050405020304" pitchFamily="18" charset="0"/>
                 <a:cs typeface="Times New Roman" panose="02020603050405020304" pitchFamily="18" charset="0"/>
               </a:rPr>
-              <a:t> consortium (BMW, DaimlerChrysler, Mo-</a:t>
-            </a:r>
-            <a:r>
-              <a:rPr lang="en-US" altLang="de-DE" sz="2800" dirty="0" err="1">
+              <a:t> consortium (BMW, DaimlerChrysler, </a:t>
+            </a:r>
+            <a:r>
+              <a:rPr lang="en-US" altLang="de-DE" sz="2800" dirty="0" smtClean="0">
                 <a:latin typeface="Times New Roman" panose="02020603050405020304" pitchFamily="18" charset="0"/>
                 <a:cs typeface="Times New Roman" panose="02020603050405020304" pitchFamily="18" charset="0"/>
               </a:rPr>
-              <a:t>torola</a:t>
+              <a:t>Motorola</a:t>
             </a:r>
             <a:r>
               <a:rPr lang="en-US" altLang="de-DE" sz="2800" dirty="0">
@@ -18178,8 +18263,19 @@
                 <a:latin typeface="Times New Roman" panose="02020603050405020304" pitchFamily="18" charset="0"/>
                 <a:cs typeface="Times New Roman" panose="02020603050405020304" pitchFamily="18" charset="0"/>
               </a:rPr>
-              <a:t> was used for the first time in BMW X5 model in 2007.</a:t>
-            </a:r>
+              <a:t> was used for the first time in BMW X5 model in </a:t>
+            </a:r>
+            <a:r>
+              <a:rPr lang="en-US" altLang="de-DE" sz="2800" dirty="0" smtClean="0">
+                <a:latin typeface="Times New Roman" panose="02020603050405020304" pitchFamily="18" charset="0"/>
+                <a:cs typeface="Times New Roman" panose="02020603050405020304" pitchFamily="18" charset="0"/>
+              </a:rPr>
+              <a:t>2007,….</a:t>
+            </a:r>
+            <a:endParaRPr lang="en-US" altLang="de-DE" sz="2800" dirty="0">
+              <a:latin typeface="Times New Roman" panose="02020603050405020304" pitchFamily="18" charset="0"/>
+              <a:cs typeface="Times New Roman" panose="02020603050405020304" pitchFamily="18" charset="0"/>
+            </a:endParaRPr>
           </a:p>
           <a:p>
             <a:endParaRPr lang="en-US" dirty="0"/>
@@ -18306,7 +18402,7 @@
           <a:p>
             <a:fld id="{6AC6BF7F-12B2-46CE-9F37-8185537B5881}" type="datetime1">
               <a:rPr lang="en-US" smtClean="0"/>
-              <a:t>1/19/2017</a:t>
+              <a:t>1/20/2017</a:t>
             </a:fld>
             <a:endParaRPr lang="en-US" dirty="0"/>
           </a:p>
@@ -18593,7 +18689,7 @@
           <a:p>
             <a:fld id="{6AC6BF7F-12B2-46CE-9F37-8185537B5881}" type="datetime1">
               <a:rPr lang="en-US" smtClean="0"/>
-              <a:t>1/19/2017</a:t>
+              <a:t>1/20/2017</a:t>
             </a:fld>
             <a:endParaRPr lang="en-US" dirty="0"/>
           </a:p>
@@ -18752,13 +18848,6 @@
               </a:rPr>
               <a:t>c) Hybrid topology</a:t>
             </a:r>
-            <a:endParaRPr lang="en-US" altLang="de-DE" sz="2000" dirty="0">
-              <a:solidFill>
-                <a:schemeClr val="accent5"/>
-              </a:solidFill>
-              <a:latin typeface="Times New Roman" panose="02020603050405020304" pitchFamily="18" charset="0"/>
-              <a:cs typeface="Times New Roman" panose="02020603050405020304" pitchFamily="18" charset="0"/>
-            </a:endParaRPr>
           </a:p>
         </p:txBody>
       </p:sp>
@@ -18855,7 +18944,7 @@
           <a:p>
             <a:fld id="{6AC6BF7F-12B2-46CE-9F37-8185537B5881}" type="datetime1">
               <a:rPr lang="en-US" smtClean="0"/>
-              <a:t>1/19/2017</a:t>
+              <a:t>1/20/2017</a:t>
             </a:fld>
             <a:endParaRPr lang="en-US" dirty="0"/>
           </a:p>
@@ -18978,13 +19067,6 @@
               </a:rPr>
               <a:t>Figure 2: Passive Bus Topology</a:t>
             </a:r>
-            <a:endParaRPr lang="en-US" sz="2000" dirty="0">
-              <a:solidFill>
-                <a:schemeClr val="accent5"/>
-              </a:solidFill>
-              <a:latin typeface="Times New Roman" panose="02020603050405020304" pitchFamily="18" charset="0"/>
-              <a:cs typeface="Times New Roman" panose="02020603050405020304" pitchFamily="18" charset="0"/>
-            </a:endParaRPr>
           </a:p>
         </p:txBody>
       </p:sp>
